--- a/assets/Presentation.pptx
+++ b/assets/Presentation.pptx
@@ -4,6 +4,9 @@
   <p:sldMasterIdLst>
     <p:sldMasterId id="2147483698" r:id="rId1"/>
   </p:sldMasterIdLst>
+  <p:notesMasterIdLst>
+    <p:notesMasterId r:id="rId12"/>
+  </p:notesMasterIdLst>
   <p:sldIdLst>
     <p:sldId id="256" r:id="rId2"/>
     <p:sldId id="257" r:id="rId3"/>
@@ -127,6 +130,1225 @@
     <p1510:client id="{C0FDB633-04F0-411C-B2E7-9445C3445BAA}" v="1332" dt="2020-10-17T00:34:37.173"/>
   </p1510:revLst>
 </p1510:revInfo>
+</file>
+
+<file path=ppt/notesMasters/notesMaster1.xml><?xml version="1.0" encoding="utf-8"?>
+<p:notesMaster xmlns:a="http://schemas.openxmlformats.org/drawingml/2006/main" xmlns:r="http://schemas.openxmlformats.org/officeDocument/2006/relationships" xmlns:p="http://schemas.openxmlformats.org/presentationml/2006/main">
+  <p:cSld>
+    <p:bg>
+      <p:bgRef idx="1001">
+        <a:schemeClr val="bg1"/>
+      </p:bgRef>
+    </p:bg>
+    <p:spTree>
+      <p:nvGrpSpPr>
+        <p:cNvPr id="1" name=""/>
+        <p:cNvGrpSpPr/>
+        <p:nvPr/>
+      </p:nvGrpSpPr>
+      <p:grpSpPr>
+        <a:xfrm>
+          <a:off x="0" y="0"/>
+          <a:ext cx="0" cy="0"/>
+          <a:chOff x="0" y="0"/>
+          <a:chExt cx="0" cy="0"/>
+        </a:xfrm>
+      </p:grpSpPr>
+      <p:sp>
+        <p:nvSpPr>
+          <p:cNvPr id="2" name="Header Placeholder 1"/>
+          <p:cNvSpPr>
+            <a:spLocks noGrp="1"/>
+          </p:cNvSpPr>
+          <p:nvPr>
+            <p:ph type="hdr" sz="quarter"/>
+          </p:nvPr>
+        </p:nvSpPr>
+        <p:spPr>
+          <a:xfrm>
+            <a:off x="0" y="0"/>
+            <a:ext cx="2971800" cy="458788"/>
+          </a:xfrm>
+          <a:prstGeom prst="rect">
+            <a:avLst/>
+          </a:prstGeom>
+        </p:spPr>
+        <p:txBody>
+          <a:bodyPr vert="horz" lIns="91440" tIns="45720" rIns="91440" bIns="45720" rtlCol="0"/>
+          <a:lstStyle>
+            <a:lvl1pPr algn="l">
+              <a:defRPr sz="1200"/>
+            </a:lvl1pPr>
+          </a:lstStyle>
+          <a:p>
+            <a:endParaRPr lang="en-AU"/>
+          </a:p>
+        </p:txBody>
+      </p:sp>
+      <p:sp>
+        <p:nvSpPr>
+          <p:cNvPr id="3" name="Date Placeholder 2"/>
+          <p:cNvSpPr>
+            <a:spLocks noGrp="1"/>
+          </p:cNvSpPr>
+          <p:nvPr>
+            <p:ph type="dt" idx="1"/>
+          </p:nvPr>
+        </p:nvSpPr>
+        <p:spPr>
+          <a:xfrm>
+            <a:off x="3884613" y="0"/>
+            <a:ext cx="2971800" cy="458788"/>
+          </a:xfrm>
+          <a:prstGeom prst="rect">
+            <a:avLst/>
+          </a:prstGeom>
+        </p:spPr>
+        <p:txBody>
+          <a:bodyPr vert="horz" lIns="91440" tIns="45720" rIns="91440" bIns="45720" rtlCol="0"/>
+          <a:lstStyle>
+            <a:lvl1pPr algn="r">
+              <a:defRPr sz="1200"/>
+            </a:lvl1pPr>
+          </a:lstStyle>
+          <a:p>
+            <a:fld id="{79B238CF-1CAC-4358-A128-A36A7094BEE6}" type="datetimeFigureOut">
+              <a:rPr lang="en-AU" smtClean="0"/>
+              <a:t>19/10/2020</a:t>
+            </a:fld>
+            <a:endParaRPr lang="en-AU"/>
+          </a:p>
+        </p:txBody>
+      </p:sp>
+      <p:sp>
+        <p:nvSpPr>
+          <p:cNvPr id="4" name="Slide Image Placeholder 3"/>
+          <p:cNvSpPr>
+            <a:spLocks noGrp="1" noRot="1" noChangeAspect="1"/>
+          </p:cNvSpPr>
+          <p:nvPr>
+            <p:ph type="sldImg" idx="2"/>
+          </p:nvPr>
+        </p:nvSpPr>
+        <p:spPr>
+          <a:xfrm>
+            <a:off x="685800" y="1143000"/>
+            <a:ext cx="5486400" cy="3086100"/>
+          </a:xfrm>
+          <a:prstGeom prst="rect">
+            <a:avLst/>
+          </a:prstGeom>
+          <a:noFill/>
+          <a:ln w="12700">
+            <a:solidFill>
+              <a:prstClr val="black"/>
+            </a:solidFill>
+          </a:ln>
+        </p:spPr>
+        <p:txBody>
+          <a:bodyPr vert="horz" lIns="91440" tIns="45720" rIns="91440" bIns="45720" rtlCol="0" anchor="ctr"/>
+          <a:lstStyle/>
+          <a:p>
+            <a:endParaRPr lang="en-AU"/>
+          </a:p>
+        </p:txBody>
+      </p:sp>
+      <p:sp>
+        <p:nvSpPr>
+          <p:cNvPr id="5" name="Notes Placeholder 4"/>
+          <p:cNvSpPr>
+            <a:spLocks noGrp="1"/>
+          </p:cNvSpPr>
+          <p:nvPr>
+            <p:ph type="body" sz="quarter" idx="3"/>
+          </p:nvPr>
+        </p:nvSpPr>
+        <p:spPr>
+          <a:xfrm>
+            <a:off x="685800" y="4400550"/>
+            <a:ext cx="5486400" cy="3600450"/>
+          </a:xfrm>
+          <a:prstGeom prst="rect">
+            <a:avLst/>
+          </a:prstGeom>
+        </p:spPr>
+        <p:txBody>
+          <a:bodyPr vert="horz" lIns="91440" tIns="45720" rIns="91440" bIns="45720" rtlCol="0"/>
+          <a:lstStyle/>
+          <a:p>
+            <a:pPr lvl="0"/>
+            <a:r>
+              <a:rPr lang="en-US"/>
+              <a:t>Click to edit Master text styles</a:t>
+            </a:r>
+          </a:p>
+          <a:p>
+            <a:pPr lvl="1"/>
+            <a:r>
+              <a:rPr lang="en-US"/>
+              <a:t>Second level</a:t>
+            </a:r>
+          </a:p>
+          <a:p>
+            <a:pPr lvl="2"/>
+            <a:r>
+              <a:rPr lang="en-US"/>
+              <a:t>Third level</a:t>
+            </a:r>
+          </a:p>
+          <a:p>
+            <a:pPr lvl="3"/>
+            <a:r>
+              <a:rPr lang="en-US"/>
+              <a:t>Fourth level</a:t>
+            </a:r>
+          </a:p>
+          <a:p>
+            <a:pPr lvl="4"/>
+            <a:r>
+              <a:rPr lang="en-US"/>
+              <a:t>Fifth level</a:t>
+            </a:r>
+            <a:endParaRPr lang="en-AU"/>
+          </a:p>
+        </p:txBody>
+      </p:sp>
+      <p:sp>
+        <p:nvSpPr>
+          <p:cNvPr id="6" name="Footer Placeholder 5"/>
+          <p:cNvSpPr>
+            <a:spLocks noGrp="1"/>
+          </p:cNvSpPr>
+          <p:nvPr>
+            <p:ph type="ftr" sz="quarter" idx="4"/>
+          </p:nvPr>
+        </p:nvSpPr>
+        <p:spPr>
+          <a:xfrm>
+            <a:off x="0" y="8685213"/>
+            <a:ext cx="2971800" cy="458787"/>
+          </a:xfrm>
+          <a:prstGeom prst="rect">
+            <a:avLst/>
+          </a:prstGeom>
+        </p:spPr>
+        <p:txBody>
+          <a:bodyPr vert="horz" lIns="91440" tIns="45720" rIns="91440" bIns="45720" rtlCol="0" anchor="b"/>
+          <a:lstStyle>
+            <a:lvl1pPr algn="l">
+              <a:defRPr sz="1200"/>
+            </a:lvl1pPr>
+          </a:lstStyle>
+          <a:p>
+            <a:endParaRPr lang="en-AU"/>
+          </a:p>
+        </p:txBody>
+      </p:sp>
+      <p:sp>
+        <p:nvSpPr>
+          <p:cNvPr id="7" name="Slide Number Placeholder 6"/>
+          <p:cNvSpPr>
+            <a:spLocks noGrp="1"/>
+          </p:cNvSpPr>
+          <p:nvPr>
+            <p:ph type="sldNum" sz="quarter" idx="5"/>
+          </p:nvPr>
+        </p:nvSpPr>
+        <p:spPr>
+          <a:xfrm>
+            <a:off x="3884613" y="8685213"/>
+            <a:ext cx="2971800" cy="458787"/>
+          </a:xfrm>
+          <a:prstGeom prst="rect">
+            <a:avLst/>
+          </a:prstGeom>
+        </p:spPr>
+        <p:txBody>
+          <a:bodyPr vert="horz" lIns="91440" tIns="45720" rIns="91440" bIns="45720" rtlCol="0" anchor="b"/>
+          <a:lstStyle>
+            <a:lvl1pPr algn="r">
+              <a:defRPr sz="1200"/>
+            </a:lvl1pPr>
+          </a:lstStyle>
+          <a:p>
+            <a:fld id="{EF95091A-EB36-4084-B028-18BB01B52263}" type="slidenum">
+              <a:rPr lang="en-AU" smtClean="0"/>
+              <a:t>‹#›</a:t>
+            </a:fld>
+            <a:endParaRPr lang="en-AU"/>
+          </a:p>
+        </p:txBody>
+      </p:sp>
+    </p:spTree>
+    <p:extLst>
+      <p:ext uri="{BB962C8B-B14F-4D97-AF65-F5344CB8AC3E}">
+        <p14:creationId xmlns:p14="http://schemas.microsoft.com/office/powerpoint/2010/main" val="1875996686"/>
+      </p:ext>
+    </p:extLst>
+  </p:cSld>
+  <p:clrMap bg1="lt1" tx1="dk1" bg2="lt2" tx2="dk2" accent1="accent1" accent2="accent2" accent3="accent3" accent4="accent4" accent5="accent5" accent6="accent6" hlink="hlink" folHlink="folHlink"/>
+  <p:notesStyle>
+    <a:lvl1pPr marL="0" algn="l" defTabSz="914400" rtl="0" eaLnBrk="1" latinLnBrk="0" hangingPunct="1">
+      <a:defRPr sz="1200" kern="1200">
+        <a:solidFill>
+          <a:schemeClr val="tx1"/>
+        </a:solidFill>
+        <a:latin typeface="+mn-lt"/>
+        <a:ea typeface="+mn-ea"/>
+        <a:cs typeface="+mn-cs"/>
+      </a:defRPr>
+    </a:lvl1pPr>
+    <a:lvl2pPr marL="457200" algn="l" defTabSz="914400" rtl="0" eaLnBrk="1" latinLnBrk="0" hangingPunct="1">
+      <a:defRPr sz="1200" kern="1200">
+        <a:solidFill>
+          <a:schemeClr val="tx1"/>
+        </a:solidFill>
+        <a:latin typeface="+mn-lt"/>
+        <a:ea typeface="+mn-ea"/>
+        <a:cs typeface="+mn-cs"/>
+      </a:defRPr>
+    </a:lvl2pPr>
+    <a:lvl3pPr marL="914400" algn="l" defTabSz="914400" rtl="0" eaLnBrk="1" latinLnBrk="0" hangingPunct="1">
+      <a:defRPr sz="1200" kern="1200">
+        <a:solidFill>
+          <a:schemeClr val="tx1"/>
+        </a:solidFill>
+        <a:latin typeface="+mn-lt"/>
+        <a:ea typeface="+mn-ea"/>
+        <a:cs typeface="+mn-cs"/>
+      </a:defRPr>
+    </a:lvl3pPr>
+    <a:lvl4pPr marL="1371600" algn="l" defTabSz="914400" rtl="0" eaLnBrk="1" latinLnBrk="0" hangingPunct="1">
+      <a:defRPr sz="1200" kern="1200">
+        <a:solidFill>
+          <a:schemeClr val="tx1"/>
+        </a:solidFill>
+        <a:latin typeface="+mn-lt"/>
+        <a:ea typeface="+mn-ea"/>
+        <a:cs typeface="+mn-cs"/>
+      </a:defRPr>
+    </a:lvl4pPr>
+    <a:lvl5pPr marL="1828800" algn="l" defTabSz="914400" rtl="0" eaLnBrk="1" latinLnBrk="0" hangingPunct="1">
+      <a:defRPr sz="1200" kern="1200">
+        <a:solidFill>
+          <a:schemeClr val="tx1"/>
+        </a:solidFill>
+        <a:latin typeface="+mn-lt"/>
+        <a:ea typeface="+mn-ea"/>
+        <a:cs typeface="+mn-cs"/>
+      </a:defRPr>
+    </a:lvl5pPr>
+    <a:lvl6pPr marL="2286000" algn="l" defTabSz="914400" rtl="0" eaLnBrk="1" latinLnBrk="0" hangingPunct="1">
+      <a:defRPr sz="1200" kern="1200">
+        <a:solidFill>
+          <a:schemeClr val="tx1"/>
+        </a:solidFill>
+        <a:latin typeface="+mn-lt"/>
+        <a:ea typeface="+mn-ea"/>
+        <a:cs typeface="+mn-cs"/>
+      </a:defRPr>
+    </a:lvl6pPr>
+    <a:lvl7pPr marL="2743200" algn="l" defTabSz="914400" rtl="0" eaLnBrk="1" latinLnBrk="0" hangingPunct="1">
+      <a:defRPr sz="1200" kern="1200">
+        <a:solidFill>
+          <a:schemeClr val="tx1"/>
+        </a:solidFill>
+        <a:latin typeface="+mn-lt"/>
+        <a:ea typeface="+mn-ea"/>
+        <a:cs typeface="+mn-cs"/>
+      </a:defRPr>
+    </a:lvl7pPr>
+    <a:lvl8pPr marL="3200400" algn="l" defTabSz="914400" rtl="0" eaLnBrk="1" latinLnBrk="0" hangingPunct="1">
+      <a:defRPr sz="1200" kern="1200">
+        <a:solidFill>
+          <a:schemeClr val="tx1"/>
+        </a:solidFill>
+        <a:latin typeface="+mn-lt"/>
+        <a:ea typeface="+mn-ea"/>
+        <a:cs typeface="+mn-cs"/>
+      </a:defRPr>
+    </a:lvl8pPr>
+    <a:lvl9pPr marL="3657600" algn="l" defTabSz="914400" rtl="0" eaLnBrk="1" latinLnBrk="0" hangingPunct="1">
+      <a:defRPr sz="1200" kern="1200">
+        <a:solidFill>
+          <a:schemeClr val="tx1"/>
+        </a:solidFill>
+        <a:latin typeface="+mn-lt"/>
+        <a:ea typeface="+mn-ea"/>
+        <a:cs typeface="+mn-cs"/>
+      </a:defRPr>
+    </a:lvl9pPr>
+  </p:notesStyle>
+</p:notesMaster>
+</file>
+
+<file path=ppt/notesSlides/notesSlide1.xml><?xml version="1.0" encoding="utf-8"?>
+<p:notes xmlns:a="http://schemas.openxmlformats.org/drawingml/2006/main" xmlns:r="http://schemas.openxmlformats.org/officeDocument/2006/relationships" xmlns:p="http://schemas.openxmlformats.org/presentationml/2006/main">
+  <p:cSld>
+    <p:spTree>
+      <p:nvGrpSpPr>
+        <p:cNvPr id="1" name=""/>
+        <p:cNvGrpSpPr/>
+        <p:nvPr/>
+      </p:nvGrpSpPr>
+      <p:grpSpPr>
+        <a:xfrm>
+          <a:off x="0" y="0"/>
+          <a:ext cx="0" cy="0"/>
+          <a:chOff x="0" y="0"/>
+          <a:chExt cx="0" cy="0"/>
+        </a:xfrm>
+      </p:grpSpPr>
+      <p:sp>
+        <p:nvSpPr>
+          <p:cNvPr id="2" name="Slide Image Placeholder 1"/>
+          <p:cNvSpPr>
+            <a:spLocks noGrp="1" noRot="1" noChangeAspect="1"/>
+          </p:cNvSpPr>
+          <p:nvPr>
+            <p:ph type="sldImg"/>
+          </p:nvPr>
+        </p:nvSpPr>
+        <p:spPr/>
+      </p:sp>
+      <p:sp>
+        <p:nvSpPr>
+          <p:cNvPr id="3" name="Notes Placeholder 2"/>
+          <p:cNvSpPr>
+            <a:spLocks noGrp="1"/>
+          </p:cNvSpPr>
+          <p:nvPr>
+            <p:ph type="body" idx="1"/>
+          </p:nvPr>
+        </p:nvSpPr>
+        <p:spPr/>
+        <p:txBody>
+          <a:bodyPr/>
+          <a:lstStyle/>
+          <a:p>
+            <a:r>
+              <a:rPr lang="en-AU" dirty="0"/>
+              <a:t>Introduction: Project 3!</a:t>
+            </a:r>
+          </a:p>
+        </p:txBody>
+      </p:sp>
+      <p:sp>
+        <p:nvSpPr>
+          <p:cNvPr id="4" name="Slide Number Placeholder 3"/>
+          <p:cNvSpPr>
+            <a:spLocks noGrp="1"/>
+          </p:cNvSpPr>
+          <p:nvPr>
+            <p:ph type="sldNum" sz="quarter" idx="5"/>
+          </p:nvPr>
+        </p:nvSpPr>
+        <p:spPr/>
+        <p:txBody>
+          <a:bodyPr/>
+          <a:lstStyle/>
+          <a:p>
+            <a:fld id="{EF95091A-EB36-4084-B028-18BB01B52263}" type="slidenum">
+              <a:rPr lang="en-AU" smtClean="0"/>
+              <a:t>1</a:t>
+            </a:fld>
+            <a:endParaRPr lang="en-AU"/>
+          </a:p>
+        </p:txBody>
+      </p:sp>
+    </p:spTree>
+    <p:extLst>
+      <p:ext uri="{BB962C8B-B14F-4D97-AF65-F5344CB8AC3E}">
+        <p14:creationId xmlns:p14="http://schemas.microsoft.com/office/powerpoint/2010/main" val="2684404314"/>
+      </p:ext>
+    </p:extLst>
+  </p:cSld>
+  <p:clrMapOvr>
+    <a:masterClrMapping/>
+  </p:clrMapOvr>
+</p:notes>
+</file>
+
+<file path=ppt/notesSlides/notesSlide2.xml><?xml version="1.0" encoding="utf-8"?>
+<p:notes xmlns:a="http://schemas.openxmlformats.org/drawingml/2006/main" xmlns:r="http://schemas.openxmlformats.org/officeDocument/2006/relationships" xmlns:p="http://schemas.openxmlformats.org/presentationml/2006/main">
+  <p:cSld>
+    <p:spTree>
+      <p:nvGrpSpPr>
+        <p:cNvPr id="1" name=""/>
+        <p:cNvGrpSpPr/>
+        <p:nvPr/>
+      </p:nvGrpSpPr>
+      <p:grpSpPr>
+        <a:xfrm>
+          <a:off x="0" y="0"/>
+          <a:ext cx="0" cy="0"/>
+          <a:chOff x="0" y="0"/>
+          <a:chExt cx="0" cy="0"/>
+        </a:xfrm>
+      </p:grpSpPr>
+      <p:sp>
+        <p:nvSpPr>
+          <p:cNvPr id="2" name="Slide Image Placeholder 1"/>
+          <p:cNvSpPr>
+            <a:spLocks noGrp="1" noRot="1" noChangeAspect="1"/>
+          </p:cNvSpPr>
+          <p:nvPr>
+            <p:ph type="sldImg"/>
+          </p:nvPr>
+        </p:nvSpPr>
+        <p:spPr/>
+      </p:sp>
+      <p:sp>
+        <p:nvSpPr>
+          <p:cNvPr id="3" name="Notes Placeholder 2"/>
+          <p:cNvSpPr>
+            <a:spLocks noGrp="1"/>
+          </p:cNvSpPr>
+          <p:nvPr>
+            <p:ph type="body" idx="1"/>
+          </p:nvPr>
+        </p:nvSpPr>
+        <p:spPr/>
+        <p:txBody>
+          <a:bodyPr/>
+          <a:lstStyle/>
+          <a:p>
+            <a:pPr marL="171450" indent="-171450">
+              <a:buFontTx/>
+              <a:buChar char="-"/>
+            </a:pPr>
+            <a:r>
+              <a:rPr lang="en-AU" dirty="0"/>
+              <a:t>Market opportunity, success stories of similar businesses </a:t>
+            </a:r>
+          </a:p>
+          <a:p>
+            <a:pPr marL="171450" indent="-171450">
+              <a:buFontTx/>
+              <a:buChar char="-"/>
+            </a:pPr>
+            <a:endParaRPr lang="en-AU" dirty="0"/>
+          </a:p>
+          <a:p>
+            <a:pPr marL="171450" indent="-171450">
+              <a:buFontTx/>
+              <a:buChar char="-"/>
+            </a:pPr>
+            <a:r>
+              <a:rPr lang="en-AU" dirty="0"/>
+              <a:t>Builds on bootcamp skills</a:t>
+            </a:r>
+          </a:p>
+          <a:p>
+            <a:pPr marL="171450" indent="-171450">
+              <a:buFontTx/>
+              <a:buChar char="-"/>
+            </a:pPr>
+            <a:endParaRPr lang="en-AU" dirty="0"/>
+          </a:p>
+          <a:p>
+            <a:pPr marL="171450" indent="-171450">
+              <a:buFontTx/>
+              <a:buChar char="-"/>
+            </a:pPr>
+            <a:r>
+              <a:rPr lang="en-AU" dirty="0"/>
+              <a:t>Complete application – front-end and back-end</a:t>
+            </a:r>
+          </a:p>
+        </p:txBody>
+      </p:sp>
+      <p:sp>
+        <p:nvSpPr>
+          <p:cNvPr id="4" name="Slide Number Placeholder 3"/>
+          <p:cNvSpPr>
+            <a:spLocks noGrp="1"/>
+          </p:cNvSpPr>
+          <p:nvPr>
+            <p:ph type="sldNum" sz="quarter" idx="5"/>
+          </p:nvPr>
+        </p:nvSpPr>
+        <p:spPr/>
+        <p:txBody>
+          <a:bodyPr/>
+          <a:lstStyle/>
+          <a:p>
+            <a:fld id="{EF95091A-EB36-4084-B028-18BB01B52263}" type="slidenum">
+              <a:rPr lang="en-AU" smtClean="0"/>
+              <a:t>2</a:t>
+            </a:fld>
+            <a:endParaRPr lang="en-AU"/>
+          </a:p>
+        </p:txBody>
+      </p:sp>
+    </p:spTree>
+    <p:extLst>
+      <p:ext uri="{BB962C8B-B14F-4D97-AF65-F5344CB8AC3E}">
+        <p14:creationId xmlns:p14="http://schemas.microsoft.com/office/powerpoint/2010/main" val="3263693380"/>
+      </p:ext>
+    </p:extLst>
+  </p:cSld>
+  <p:clrMapOvr>
+    <a:masterClrMapping/>
+  </p:clrMapOvr>
+</p:notes>
+</file>
+
+<file path=ppt/notesSlides/notesSlide3.xml><?xml version="1.0" encoding="utf-8"?>
+<p:notes xmlns:a="http://schemas.openxmlformats.org/drawingml/2006/main" xmlns:r="http://schemas.openxmlformats.org/officeDocument/2006/relationships" xmlns:p="http://schemas.openxmlformats.org/presentationml/2006/main">
+  <p:cSld>
+    <p:spTree>
+      <p:nvGrpSpPr>
+        <p:cNvPr id="1" name=""/>
+        <p:cNvGrpSpPr/>
+        <p:nvPr/>
+      </p:nvGrpSpPr>
+      <p:grpSpPr>
+        <a:xfrm>
+          <a:off x="0" y="0"/>
+          <a:ext cx="0" cy="0"/>
+          <a:chOff x="0" y="0"/>
+          <a:chExt cx="0" cy="0"/>
+        </a:xfrm>
+      </p:grpSpPr>
+      <p:sp>
+        <p:nvSpPr>
+          <p:cNvPr id="2" name="Slide Image Placeholder 1"/>
+          <p:cNvSpPr>
+            <a:spLocks noGrp="1" noRot="1" noChangeAspect="1"/>
+          </p:cNvSpPr>
+          <p:nvPr>
+            <p:ph type="sldImg"/>
+          </p:nvPr>
+        </p:nvSpPr>
+        <p:spPr/>
+      </p:sp>
+      <p:sp>
+        <p:nvSpPr>
+          <p:cNvPr id="3" name="Notes Placeholder 2"/>
+          <p:cNvSpPr>
+            <a:spLocks noGrp="1"/>
+          </p:cNvSpPr>
+          <p:nvPr>
+            <p:ph type="body" idx="1"/>
+          </p:nvPr>
+        </p:nvSpPr>
+        <p:spPr/>
+        <p:txBody>
+          <a:bodyPr/>
+          <a:lstStyle/>
+          <a:p>
+            <a:r>
+              <a:rPr lang="en-AU" dirty="0"/>
+              <a:t>Bought a house</a:t>
+            </a:r>
+          </a:p>
+          <a:p>
+            <a:endParaRPr lang="en-AU" dirty="0"/>
+          </a:p>
+          <a:p>
+            <a:r>
+              <a:rPr lang="en-AU" dirty="0"/>
+              <a:t>Required lots of tools for upkeep</a:t>
+            </a:r>
+          </a:p>
+          <a:p>
+            <a:endParaRPr lang="en-AU" dirty="0"/>
+          </a:p>
+          <a:p>
+            <a:r>
+              <a:rPr lang="en-AU" dirty="0"/>
+              <a:t>Cost can be an issue</a:t>
+            </a:r>
+          </a:p>
+          <a:p>
+            <a:endParaRPr lang="en-AU" dirty="0"/>
+          </a:p>
+          <a:p>
+            <a:r>
+              <a:rPr lang="en-AU" dirty="0"/>
+              <a:t>Storage was an issue</a:t>
+            </a:r>
+          </a:p>
+          <a:p>
+            <a:endParaRPr lang="en-AU" dirty="0"/>
+          </a:p>
+          <a:p>
+            <a:r>
+              <a:rPr lang="en-AU" dirty="0"/>
+              <a:t>Doesn’t hurt to meet your neighbours</a:t>
+            </a:r>
+          </a:p>
+          <a:p>
+            <a:endParaRPr lang="en-AU" dirty="0"/>
+          </a:p>
+          <a:p>
+            <a:r>
+              <a:rPr lang="en-AU" dirty="0"/>
+              <a:t>EXPLAIN THE GENERAL IDEA OF THE APP!!!!!!!!</a:t>
+            </a:r>
+          </a:p>
+          <a:p>
+            <a:endParaRPr lang="en-AU" dirty="0"/>
+          </a:p>
+        </p:txBody>
+      </p:sp>
+      <p:sp>
+        <p:nvSpPr>
+          <p:cNvPr id="4" name="Slide Number Placeholder 3"/>
+          <p:cNvSpPr>
+            <a:spLocks noGrp="1"/>
+          </p:cNvSpPr>
+          <p:nvPr>
+            <p:ph type="sldNum" sz="quarter" idx="5"/>
+          </p:nvPr>
+        </p:nvSpPr>
+        <p:spPr/>
+        <p:txBody>
+          <a:bodyPr/>
+          <a:lstStyle/>
+          <a:p>
+            <a:fld id="{EF95091A-EB36-4084-B028-18BB01B52263}" type="slidenum">
+              <a:rPr lang="en-AU" smtClean="0"/>
+              <a:t>3</a:t>
+            </a:fld>
+            <a:endParaRPr lang="en-AU"/>
+          </a:p>
+        </p:txBody>
+      </p:sp>
+    </p:spTree>
+    <p:extLst>
+      <p:ext uri="{BB962C8B-B14F-4D97-AF65-F5344CB8AC3E}">
+        <p14:creationId xmlns:p14="http://schemas.microsoft.com/office/powerpoint/2010/main" val="1099983041"/>
+      </p:ext>
+    </p:extLst>
+  </p:cSld>
+  <p:clrMapOvr>
+    <a:masterClrMapping/>
+  </p:clrMapOvr>
+</p:notes>
+</file>
+
+<file path=ppt/notesSlides/notesSlide4.xml><?xml version="1.0" encoding="utf-8"?>
+<p:notes xmlns:a="http://schemas.openxmlformats.org/drawingml/2006/main" xmlns:r="http://schemas.openxmlformats.org/officeDocument/2006/relationships" xmlns:p="http://schemas.openxmlformats.org/presentationml/2006/main">
+  <p:cSld>
+    <p:spTree>
+      <p:nvGrpSpPr>
+        <p:cNvPr id="1" name=""/>
+        <p:cNvGrpSpPr/>
+        <p:nvPr/>
+      </p:nvGrpSpPr>
+      <p:grpSpPr>
+        <a:xfrm>
+          <a:off x="0" y="0"/>
+          <a:ext cx="0" cy="0"/>
+          <a:chOff x="0" y="0"/>
+          <a:chExt cx="0" cy="0"/>
+        </a:xfrm>
+      </p:grpSpPr>
+      <p:sp>
+        <p:nvSpPr>
+          <p:cNvPr id="2" name="Slide Image Placeholder 1"/>
+          <p:cNvSpPr>
+            <a:spLocks noGrp="1" noRot="1" noChangeAspect="1"/>
+          </p:cNvSpPr>
+          <p:nvPr>
+            <p:ph type="sldImg"/>
+          </p:nvPr>
+        </p:nvSpPr>
+        <p:spPr/>
+      </p:sp>
+      <p:sp>
+        <p:nvSpPr>
+          <p:cNvPr id="3" name="Notes Placeholder 2"/>
+          <p:cNvSpPr>
+            <a:spLocks noGrp="1"/>
+          </p:cNvSpPr>
+          <p:nvPr>
+            <p:ph type="body" idx="1"/>
+          </p:nvPr>
+        </p:nvSpPr>
+        <p:spPr/>
+        <p:txBody>
+          <a:bodyPr/>
+          <a:lstStyle/>
+          <a:p>
+            <a:r>
+              <a:rPr lang="en-AU" dirty="0"/>
+              <a:t>Builds on skills gained during the bootcamp</a:t>
+            </a:r>
+          </a:p>
+          <a:p>
+            <a:endParaRPr lang="en-AU" dirty="0"/>
+          </a:p>
+          <a:p>
+            <a:r>
+              <a:rPr lang="en-AU" dirty="0"/>
+              <a:t>Mongo storing the data model</a:t>
+            </a:r>
+          </a:p>
+          <a:p>
+            <a:endParaRPr lang="en-AU" dirty="0"/>
+          </a:p>
+          <a:p>
+            <a:r>
+              <a:rPr lang="en-AU" dirty="0"/>
+              <a:t>Express communicating between front end and back end</a:t>
+            </a:r>
+          </a:p>
+          <a:p>
+            <a:endParaRPr lang="en-AU" dirty="0"/>
+          </a:p>
+          <a:p>
+            <a:r>
+              <a:rPr lang="en-AU" dirty="0"/>
+              <a:t>React rendering the front end</a:t>
+            </a:r>
+          </a:p>
+          <a:p>
+            <a:endParaRPr lang="en-AU" dirty="0"/>
+          </a:p>
+          <a:p>
+            <a:r>
+              <a:rPr lang="en-AU" dirty="0"/>
+              <a:t>Node handling server side logic and communicating with he database.</a:t>
+            </a:r>
+          </a:p>
+        </p:txBody>
+      </p:sp>
+      <p:sp>
+        <p:nvSpPr>
+          <p:cNvPr id="4" name="Slide Number Placeholder 3"/>
+          <p:cNvSpPr>
+            <a:spLocks noGrp="1"/>
+          </p:cNvSpPr>
+          <p:nvPr>
+            <p:ph type="sldNum" sz="quarter" idx="5"/>
+          </p:nvPr>
+        </p:nvSpPr>
+        <p:spPr/>
+        <p:txBody>
+          <a:bodyPr/>
+          <a:lstStyle/>
+          <a:p>
+            <a:fld id="{EF95091A-EB36-4084-B028-18BB01B52263}" type="slidenum">
+              <a:rPr lang="en-AU" smtClean="0"/>
+              <a:t>4</a:t>
+            </a:fld>
+            <a:endParaRPr lang="en-AU"/>
+          </a:p>
+        </p:txBody>
+      </p:sp>
+    </p:spTree>
+    <p:extLst>
+      <p:ext uri="{BB962C8B-B14F-4D97-AF65-F5344CB8AC3E}">
+        <p14:creationId xmlns:p14="http://schemas.microsoft.com/office/powerpoint/2010/main" val="3826575765"/>
+      </p:ext>
+    </p:extLst>
+  </p:cSld>
+  <p:clrMapOvr>
+    <a:masterClrMapping/>
+  </p:clrMapOvr>
+</p:notes>
+</file>
+
+<file path=ppt/notesSlides/notesSlide5.xml><?xml version="1.0" encoding="utf-8"?>
+<p:notes xmlns:a="http://schemas.openxmlformats.org/drawingml/2006/main" xmlns:r="http://schemas.openxmlformats.org/officeDocument/2006/relationships" xmlns:p="http://schemas.openxmlformats.org/presentationml/2006/main">
+  <p:cSld>
+    <p:spTree>
+      <p:nvGrpSpPr>
+        <p:cNvPr id="1" name=""/>
+        <p:cNvGrpSpPr/>
+        <p:nvPr/>
+      </p:nvGrpSpPr>
+      <p:grpSpPr>
+        <a:xfrm>
+          <a:off x="0" y="0"/>
+          <a:ext cx="0" cy="0"/>
+          <a:chOff x="0" y="0"/>
+          <a:chExt cx="0" cy="0"/>
+        </a:xfrm>
+      </p:grpSpPr>
+      <p:sp>
+        <p:nvSpPr>
+          <p:cNvPr id="2" name="Slide Image Placeholder 1"/>
+          <p:cNvSpPr>
+            <a:spLocks noGrp="1" noRot="1" noChangeAspect="1"/>
+          </p:cNvSpPr>
+          <p:nvPr>
+            <p:ph type="sldImg"/>
+          </p:nvPr>
+        </p:nvSpPr>
+        <p:spPr/>
+      </p:sp>
+      <p:sp>
+        <p:nvSpPr>
+          <p:cNvPr id="3" name="Notes Placeholder 2"/>
+          <p:cNvSpPr>
+            <a:spLocks noGrp="1"/>
+          </p:cNvSpPr>
+          <p:nvPr>
+            <p:ph type="body" idx="1"/>
+          </p:nvPr>
+        </p:nvSpPr>
+        <p:spPr/>
+        <p:txBody>
+          <a:bodyPr/>
+          <a:lstStyle/>
+          <a:p>
+            <a:r>
+              <a:rPr lang="en-AU" dirty="0"/>
+              <a:t>Mongo – database</a:t>
+            </a:r>
+          </a:p>
+          <a:p>
+            <a:endParaRPr lang="en-AU" dirty="0"/>
+          </a:p>
+          <a:p>
+            <a:r>
+              <a:rPr lang="en-AU" dirty="0"/>
+              <a:t>Express – </a:t>
+            </a:r>
+            <a:r>
+              <a:rPr lang="en-AU" dirty="0" err="1"/>
+              <a:t>maing</a:t>
+            </a:r>
+            <a:r>
+              <a:rPr lang="en-AU" dirty="0"/>
+              <a:t> the connections</a:t>
+            </a:r>
+          </a:p>
+          <a:p>
+            <a:endParaRPr lang="en-AU" dirty="0"/>
+          </a:p>
+          <a:p>
+            <a:r>
+              <a:rPr lang="en-AU" dirty="0"/>
+              <a:t>Front-end built with react and styled with react-bootstrap, mature package</a:t>
+            </a:r>
+          </a:p>
+          <a:p>
+            <a:endParaRPr lang="en-AU" dirty="0"/>
+          </a:p>
+          <a:p>
+            <a:r>
+              <a:rPr lang="en-AU" dirty="0"/>
+              <a:t>Google maps APIs were useful to find exact address matches and store coordinates in the DB</a:t>
+            </a:r>
+          </a:p>
+          <a:p>
+            <a:endParaRPr lang="en-AU" dirty="0"/>
+          </a:p>
+          <a:p>
+            <a:r>
+              <a:rPr lang="en-AU" dirty="0"/>
+              <a:t>Worked for the first time with MongoDB </a:t>
+            </a:r>
+            <a:r>
+              <a:rPr lang="en-AU" dirty="0" err="1"/>
+              <a:t>geoJSON</a:t>
+            </a:r>
+            <a:r>
+              <a:rPr lang="en-AU" dirty="0"/>
+              <a:t> schema. Great way to store location data and query it quickly. Reduces 3</a:t>
+            </a:r>
+            <a:r>
+              <a:rPr lang="en-AU" baseline="30000" dirty="0"/>
+              <a:t>rd</a:t>
+            </a:r>
+            <a:r>
+              <a:rPr lang="en-AU" dirty="0"/>
+              <a:t> party </a:t>
+            </a:r>
+            <a:r>
+              <a:rPr lang="en-AU" dirty="0" err="1"/>
+              <a:t>api</a:t>
+            </a:r>
+            <a:r>
+              <a:rPr lang="en-AU" dirty="0"/>
+              <a:t> calls and cost.</a:t>
+            </a:r>
+          </a:p>
+          <a:p>
+            <a:endParaRPr lang="en-AU" dirty="0"/>
+          </a:p>
+          <a:p>
+            <a:r>
+              <a:rPr lang="en-AU" dirty="0"/>
+              <a:t>Number of packages including moment for the time aspects, react-dates for calendar and other</a:t>
+            </a:r>
+          </a:p>
+        </p:txBody>
+      </p:sp>
+      <p:sp>
+        <p:nvSpPr>
+          <p:cNvPr id="4" name="Slide Number Placeholder 3"/>
+          <p:cNvSpPr>
+            <a:spLocks noGrp="1"/>
+          </p:cNvSpPr>
+          <p:nvPr>
+            <p:ph type="sldNum" sz="quarter" idx="5"/>
+          </p:nvPr>
+        </p:nvSpPr>
+        <p:spPr/>
+        <p:txBody>
+          <a:bodyPr/>
+          <a:lstStyle/>
+          <a:p>
+            <a:fld id="{EF95091A-EB36-4084-B028-18BB01B52263}" type="slidenum">
+              <a:rPr lang="en-AU" smtClean="0"/>
+              <a:t>5</a:t>
+            </a:fld>
+            <a:endParaRPr lang="en-AU"/>
+          </a:p>
+        </p:txBody>
+      </p:sp>
+    </p:spTree>
+    <p:extLst>
+      <p:ext uri="{BB962C8B-B14F-4D97-AF65-F5344CB8AC3E}">
+        <p14:creationId xmlns:p14="http://schemas.microsoft.com/office/powerpoint/2010/main" val="4255732792"/>
+      </p:ext>
+    </p:extLst>
+  </p:cSld>
+  <p:clrMapOvr>
+    <a:masterClrMapping/>
+  </p:clrMapOvr>
+</p:notes>
+</file>
+
+<file path=ppt/notesSlides/notesSlide6.xml><?xml version="1.0" encoding="utf-8"?>
+<p:notes xmlns:a="http://schemas.openxmlformats.org/drawingml/2006/main" xmlns:r="http://schemas.openxmlformats.org/officeDocument/2006/relationships" xmlns:p="http://schemas.openxmlformats.org/presentationml/2006/main">
+  <p:cSld>
+    <p:spTree>
+      <p:nvGrpSpPr>
+        <p:cNvPr id="1" name=""/>
+        <p:cNvGrpSpPr/>
+        <p:nvPr/>
+      </p:nvGrpSpPr>
+      <p:grpSpPr>
+        <a:xfrm>
+          <a:off x="0" y="0"/>
+          <a:ext cx="0" cy="0"/>
+          <a:chOff x="0" y="0"/>
+          <a:chExt cx="0" cy="0"/>
+        </a:xfrm>
+      </p:grpSpPr>
+      <p:sp>
+        <p:nvSpPr>
+          <p:cNvPr id="2" name="Slide Image Placeholder 1"/>
+          <p:cNvSpPr>
+            <a:spLocks noGrp="1" noRot="1" noChangeAspect="1"/>
+          </p:cNvSpPr>
+          <p:nvPr>
+            <p:ph type="sldImg"/>
+          </p:nvPr>
+        </p:nvSpPr>
+        <p:spPr/>
+      </p:sp>
+      <p:sp>
+        <p:nvSpPr>
+          <p:cNvPr id="3" name="Notes Placeholder 2"/>
+          <p:cNvSpPr>
+            <a:spLocks noGrp="1"/>
+          </p:cNvSpPr>
+          <p:nvPr>
+            <p:ph type="body" idx="1"/>
+          </p:nvPr>
+        </p:nvSpPr>
+        <p:spPr/>
+        <p:txBody>
+          <a:bodyPr/>
+          <a:lstStyle/>
+          <a:p>
+            <a:r>
+              <a:rPr lang="en-AU" dirty="0"/>
+              <a:t>Users table contains all the location and signup data</a:t>
+            </a:r>
+          </a:p>
+          <a:p>
+            <a:endParaRPr lang="en-AU" dirty="0"/>
+          </a:p>
+          <a:p>
+            <a:r>
+              <a:rPr lang="en-AU" dirty="0"/>
+              <a:t>The user geometry is the </a:t>
+            </a:r>
+            <a:r>
+              <a:rPr lang="en-AU" dirty="0" err="1"/>
+              <a:t>geoJSON</a:t>
+            </a:r>
+            <a:r>
+              <a:rPr lang="en-AU" dirty="0"/>
+              <a:t> schema that stores </a:t>
+            </a:r>
+            <a:r>
+              <a:rPr lang="en-AU" dirty="0" err="1"/>
+              <a:t>lat</a:t>
+            </a:r>
+            <a:r>
+              <a:rPr lang="en-AU" dirty="0"/>
+              <a:t>/long and the indexing methodology</a:t>
+            </a:r>
+          </a:p>
+          <a:p>
+            <a:endParaRPr lang="en-AU" dirty="0"/>
+          </a:p>
+          <a:p>
+            <a:r>
+              <a:rPr lang="en-AU" dirty="0"/>
+              <a:t>It also contains the assets the user owns, and bookings that the user has made</a:t>
+            </a:r>
+          </a:p>
+          <a:p>
+            <a:endParaRPr lang="en-AU" dirty="0"/>
+          </a:p>
+          <a:p>
+            <a:r>
+              <a:rPr lang="en-AU" dirty="0"/>
+              <a:t>Bookings of individual assets are stored at the asset level</a:t>
+            </a:r>
+          </a:p>
+        </p:txBody>
+      </p:sp>
+      <p:sp>
+        <p:nvSpPr>
+          <p:cNvPr id="4" name="Slide Number Placeholder 3"/>
+          <p:cNvSpPr>
+            <a:spLocks noGrp="1"/>
+          </p:cNvSpPr>
+          <p:nvPr>
+            <p:ph type="sldNum" sz="quarter" idx="5"/>
+          </p:nvPr>
+        </p:nvSpPr>
+        <p:spPr/>
+        <p:txBody>
+          <a:bodyPr/>
+          <a:lstStyle/>
+          <a:p>
+            <a:fld id="{EF95091A-EB36-4084-B028-18BB01B52263}" type="slidenum">
+              <a:rPr lang="en-AU" smtClean="0"/>
+              <a:t>6</a:t>
+            </a:fld>
+            <a:endParaRPr lang="en-AU"/>
+          </a:p>
+        </p:txBody>
+      </p:sp>
+    </p:spTree>
+    <p:extLst>
+      <p:ext uri="{BB962C8B-B14F-4D97-AF65-F5344CB8AC3E}">
+        <p14:creationId xmlns:p14="http://schemas.microsoft.com/office/powerpoint/2010/main" val="3750169549"/>
+      </p:ext>
+    </p:extLst>
+  </p:cSld>
+  <p:clrMapOvr>
+    <a:masterClrMapping/>
+  </p:clrMapOvr>
+</p:notes>
+</file>
+
+<file path=ppt/notesSlides/notesSlide7.xml><?xml version="1.0" encoding="utf-8"?>
+<p:notes xmlns:a="http://schemas.openxmlformats.org/drawingml/2006/main" xmlns:r="http://schemas.openxmlformats.org/officeDocument/2006/relationships" xmlns:p="http://schemas.openxmlformats.org/presentationml/2006/main">
+  <p:cSld>
+    <p:spTree>
+      <p:nvGrpSpPr>
+        <p:cNvPr id="1" name=""/>
+        <p:cNvGrpSpPr/>
+        <p:nvPr/>
+      </p:nvGrpSpPr>
+      <p:grpSpPr>
+        <a:xfrm>
+          <a:off x="0" y="0"/>
+          <a:ext cx="0" cy="0"/>
+          <a:chOff x="0" y="0"/>
+          <a:chExt cx="0" cy="0"/>
+        </a:xfrm>
+      </p:grpSpPr>
+      <p:sp>
+        <p:nvSpPr>
+          <p:cNvPr id="2" name="Slide Image Placeholder 1"/>
+          <p:cNvSpPr>
+            <a:spLocks noGrp="1" noRot="1" noChangeAspect="1"/>
+          </p:cNvSpPr>
+          <p:nvPr>
+            <p:ph type="sldImg"/>
+          </p:nvPr>
+        </p:nvSpPr>
+        <p:spPr/>
+      </p:sp>
+      <p:sp>
+        <p:nvSpPr>
+          <p:cNvPr id="3" name="Notes Placeholder 2"/>
+          <p:cNvSpPr>
+            <a:spLocks noGrp="1"/>
+          </p:cNvSpPr>
+          <p:nvPr>
+            <p:ph type="body" idx="1"/>
+          </p:nvPr>
+        </p:nvSpPr>
+        <p:spPr/>
+        <p:txBody>
+          <a:bodyPr/>
+          <a:lstStyle/>
+          <a:p>
+            <a:r>
+              <a:rPr lang="en-AU" dirty="0"/>
+              <a:t>Used a publicly available address database</a:t>
+            </a:r>
+          </a:p>
+          <a:p>
+            <a:endParaRPr lang="en-AU" dirty="0"/>
+          </a:p>
+          <a:p>
+            <a:r>
+              <a:rPr lang="en-AU" dirty="0"/>
+              <a:t>Built JSON seed, randomly assigning assets to each user</a:t>
+            </a:r>
+          </a:p>
+          <a:p>
+            <a:endParaRPr lang="en-AU" dirty="0"/>
+          </a:p>
+          <a:p>
+            <a:r>
+              <a:rPr lang="en-AU" dirty="0"/>
+              <a:t>About 3000 users in the database for this demo with a total of about 15000 assets</a:t>
+            </a:r>
+          </a:p>
+        </p:txBody>
+      </p:sp>
+      <p:sp>
+        <p:nvSpPr>
+          <p:cNvPr id="4" name="Slide Number Placeholder 3"/>
+          <p:cNvSpPr>
+            <a:spLocks noGrp="1"/>
+          </p:cNvSpPr>
+          <p:nvPr>
+            <p:ph type="sldNum" sz="quarter" idx="5"/>
+          </p:nvPr>
+        </p:nvSpPr>
+        <p:spPr/>
+        <p:txBody>
+          <a:bodyPr/>
+          <a:lstStyle/>
+          <a:p>
+            <a:fld id="{EF95091A-EB36-4084-B028-18BB01B52263}" type="slidenum">
+              <a:rPr lang="en-AU" smtClean="0"/>
+              <a:t>7</a:t>
+            </a:fld>
+            <a:endParaRPr lang="en-AU"/>
+          </a:p>
+        </p:txBody>
+      </p:sp>
+    </p:spTree>
+    <p:extLst>
+      <p:ext uri="{BB962C8B-B14F-4D97-AF65-F5344CB8AC3E}">
+        <p14:creationId xmlns:p14="http://schemas.microsoft.com/office/powerpoint/2010/main" val="2392196980"/>
+      </p:ext>
+    </p:extLst>
+  </p:cSld>
+  <p:clrMapOvr>
+    <a:masterClrMapping/>
+  </p:clrMapOvr>
+</p:notes>
 </file>
 
 <file path=ppt/slideLayouts/slideLayout1.xml><?xml version="1.0" encoding="utf-8"?>
@@ -4198,7 +5420,7 @@
           <p:nvPr/>
         </p:nvPicPr>
         <p:blipFill rotWithShape="1">
-          <a:blip r:embed="rId2"/>
+          <a:blip r:embed="rId3"/>
           <a:srcRect l="361" r="26272" b="-1"/>
           <a:stretch/>
         </p:blipFill>
@@ -4483,8 +5705,8 @@
         </p:nvSpPr>
         <p:spPr>
           <a:xfrm>
-            <a:off x="2168912" y="1918010"/>
-            <a:ext cx="9285248" cy="4431983"/>
+            <a:off x="2168912" y="1687354"/>
+            <a:ext cx="9285248" cy="5170646"/>
           </a:xfrm>
           <a:prstGeom prst="rect">
             <a:avLst/>
@@ -4500,6 +5722,11 @@
           </a:bodyPr>
           <a:lstStyle/>
           <a:p>
+            <a:endParaRPr lang="en-US" sz="2400" dirty="0">
+              <a:latin typeface="Century Schoolbook"/>
+            </a:endParaRPr>
+          </a:p>
+          <a:p>
             <a:pPr marL="285750" indent="-285750">
               <a:buFont typeface="Wingdings"/>
               <a:buChar char="§"/>
@@ -4508,6 +5735,44 @@
               <a:rPr lang="en-US" sz="2400" dirty="0">
                 <a:latin typeface="Century Schoolbook"/>
               </a:rPr>
+              <a:t>Create a project building on the skills gained during the bootcamp with emphasis on the MERN stack/MVC design paradigm.</a:t>
+            </a:r>
+          </a:p>
+          <a:p>
+            <a:endParaRPr lang="en-US" sz="2400" dirty="0">
+              <a:latin typeface="Century Schoolbook"/>
+            </a:endParaRPr>
+          </a:p>
+          <a:p>
+            <a:pPr marL="285750" indent="-285750">
+              <a:buFont typeface="Wingdings"/>
+              <a:buChar char="§"/>
+            </a:pPr>
+            <a:r>
+              <a:rPr lang="en-US" sz="2400" dirty="0">
+                <a:latin typeface="Century Schoolbook"/>
+              </a:rPr>
+              <a:t>Demonstrate application of both front end and back end technologies to create a product with market applicability</a:t>
+            </a:r>
+          </a:p>
+          <a:p>
+            <a:pPr marL="285750" indent="-285750">
+              <a:buFont typeface="Wingdings"/>
+              <a:buChar char="§"/>
+            </a:pPr>
+            <a:endParaRPr lang="en-US" sz="2400" dirty="0">
+              <a:latin typeface="Century Schoolbook"/>
+            </a:endParaRPr>
+          </a:p>
+          <a:p>
+            <a:pPr marL="285750" indent="-285750">
+              <a:buFont typeface="Wingdings"/>
+              <a:buChar char="§"/>
+            </a:pPr>
+            <a:r>
+              <a:rPr lang="en-US" sz="2400" dirty="0">
+                <a:latin typeface="Century Schoolbook"/>
+              </a:rPr>
               <a:t>Design a web-application with a market opportunity in keeping with current trends e.g. Sharing economy, in the vein of Uber, </a:t>
             </a:r>
             <a:r>
@@ -4524,38 +5789,13 @@
             </a:r>
           </a:p>
           <a:p>
-            <a:endParaRPr lang="en-US" sz="2400" dirty="0">
-              <a:latin typeface="Century Schoolbook"/>
-            </a:endParaRPr>
-          </a:p>
-          <a:p>
             <a:pPr marL="285750" indent="-285750">
               <a:buFont typeface="Wingdings"/>
               <a:buChar char="§"/>
             </a:pPr>
-            <a:r>
-              <a:rPr lang="en-US" sz="2400" dirty="0">
-                <a:latin typeface="Century Schoolbook"/>
-              </a:rPr>
-              <a:t>Create a project building on the skills gained during the bootcamp with emphasis on the MERN stack/MVC design paradigm.</a:t>
-            </a:r>
-          </a:p>
-          <a:p>
             <a:endParaRPr lang="en-US" sz="2400" dirty="0">
               <a:latin typeface="Century Schoolbook"/>
             </a:endParaRPr>
-          </a:p>
-          <a:p>
-            <a:pPr marL="285750" indent="-285750">
-              <a:buFont typeface="Wingdings"/>
-              <a:buChar char="§"/>
-            </a:pPr>
-            <a:r>
-              <a:rPr lang="en-US" sz="2400" dirty="0">
-                <a:latin typeface="Century Schoolbook"/>
-              </a:rPr>
-              <a:t>Demonstrate application of both front end and back end technologies to create a product with market applicability</a:t>
-            </a:r>
           </a:p>
           <a:p>
             <a:pPr marL="285750" indent="-285750">
@@ -4590,7 +5830,7 @@
           <p:nvPr/>
         </p:nvPicPr>
         <p:blipFill>
-          <a:blip r:embed="rId2"/>
+          <a:blip r:embed="rId3"/>
           <a:stretch>
             <a:fillRect/>
           </a:stretch>
@@ -4694,7 +5934,7 @@
         <p:spPr>
           <a:xfrm>
             <a:off x="2094571" y="1713571"/>
-            <a:ext cx="9006468" cy="3785652"/>
+            <a:ext cx="9006468" cy="4524315"/>
           </a:xfrm>
           <a:prstGeom prst="rect">
             <a:avLst/>
@@ -4813,6 +6053,39 @@
                 <a:latin typeface="Century Schoolbook"/>
               </a:rPr>
               <a:t>neighbours</a:t>
+            </a:r>
+            <a:r>
+              <a:rPr lang="en-US" sz="2400" dirty="0">
+                <a:latin typeface="Century Schoolbook"/>
+              </a:rPr>
+              <a:t>!</a:t>
+            </a:r>
+          </a:p>
+          <a:p>
+            <a:pPr marL="285750" indent="-285750">
+              <a:buFont typeface="Wingdings"/>
+              <a:buChar char="§"/>
+            </a:pPr>
+            <a:endParaRPr lang="en-US" sz="2400" dirty="0">
+              <a:latin typeface="Century Schoolbook"/>
+            </a:endParaRPr>
+          </a:p>
+          <a:p>
+            <a:pPr marL="285750" indent="-285750">
+              <a:buFont typeface="Wingdings"/>
+              <a:buChar char="§"/>
+            </a:pPr>
+            <a:r>
+              <a:rPr lang="en-US" sz="2400" dirty="0">
+                <a:latin typeface="Century Schoolbook"/>
+              </a:rPr>
+              <a:t>Howdy </a:t>
+            </a:r>
+            <a:r>
+              <a:rPr lang="en-US" sz="2400" dirty="0" err="1">
+                <a:latin typeface="Century Schoolbook"/>
+              </a:rPr>
+              <a:t>Neighbour</a:t>
             </a:r>
             <a:r>
               <a:rPr lang="en-US" sz="2400" dirty="0">
@@ -4838,7 +6111,7 @@
           <p:nvPr/>
         </p:nvPicPr>
         <p:blipFill>
-          <a:blip r:embed="rId2"/>
+          <a:blip r:embed="rId3"/>
           <a:stretch>
             <a:fillRect/>
           </a:stretch>
@@ -5279,7 +6552,7 @@
           <p:nvPr/>
         </p:nvPicPr>
         <p:blipFill>
-          <a:blip r:embed="rId2"/>
+          <a:blip r:embed="rId3"/>
           <a:stretch>
             <a:fillRect/>
           </a:stretch>
@@ -5382,7 +6655,7 @@
           <p:nvPr/>
         </p:nvPicPr>
         <p:blipFill>
-          <a:blip r:embed="rId2"/>
+          <a:blip r:embed="rId3"/>
           <a:stretch>
             <a:fillRect/>
           </a:stretch>
@@ -5738,7 +7011,7 @@
           <p:nvPr/>
         </p:nvPicPr>
         <p:blipFill>
-          <a:blip r:embed="rId3" cstate="print">
+          <a:blip r:embed="rId4" cstate="print">
             <a:extLst>
               <a:ext uri="{28A0092B-C50C-407E-A947-70E740481C1C}">
                 <a14:useLocalDpi xmlns:a14="http://schemas.microsoft.com/office/drawing/2010/main" val="0"/>
@@ -5774,13 +7047,13 @@
           <p:nvPr/>
         </p:nvPicPr>
         <p:blipFill>
-          <a:blip r:embed="rId4" cstate="print">
+          <a:blip r:embed="rId5" cstate="print">
             <a:extLst>
               <a:ext uri="{28A0092B-C50C-407E-A947-70E740481C1C}">
                 <a14:useLocalDpi xmlns:a14="http://schemas.microsoft.com/office/drawing/2010/main" val="0"/>
               </a:ext>
               <a:ext uri="{96DAC541-7B7A-43D3-8B79-37D633B846F1}">
-                <asvg:svgBlip xmlns:asvg="http://schemas.microsoft.com/office/drawing/2016/SVG/main" r:embed="rId5"/>
+                <asvg:svgBlip xmlns:asvg="http://schemas.microsoft.com/office/drawing/2016/SVG/main" r:embed="rId6"/>
               </a:ext>
             </a:extLst>
           </a:blip>
@@ -5804,42 +7077,6 @@
             <a:extLst>
               <a:ext uri="{FF2B5EF4-FFF2-40B4-BE49-F238E27FC236}">
                 <a16:creationId xmlns:a16="http://schemas.microsoft.com/office/drawing/2014/main" id="{1F204DE9-2AAF-4920-B60B-CFCF2FC6CEC9}"/>
-              </a:ext>
-            </a:extLst>
-          </p:cNvPr>
-          <p:cNvPicPr>
-            <a:picLocks noChangeAspect="1"/>
-          </p:cNvPicPr>
-          <p:nvPr/>
-        </p:nvPicPr>
-        <p:blipFill>
-          <a:blip r:embed="rId6" cstate="print">
-            <a:extLst>
-              <a:ext uri="{28A0092B-C50C-407E-A947-70E740481C1C}">
-                <a14:useLocalDpi xmlns:a14="http://schemas.microsoft.com/office/drawing/2010/main" val="0"/>
-              </a:ext>
-            </a:extLst>
-          </a:blip>
-          <a:stretch>
-            <a:fillRect/>
-          </a:stretch>
-        </p:blipFill>
-        <p:spPr>
-          <a:xfrm>
-            <a:off x="8100488" y="2096012"/>
-            <a:ext cx="1143811" cy="255451"/>
-          </a:xfrm>
-          <a:prstGeom prst="rect">
-            <a:avLst/>
-          </a:prstGeom>
-        </p:spPr>
-      </p:pic>
-      <p:pic>
-        <p:nvPicPr>
-          <p:cNvPr id="21" name="Picture 20" descr="Icon&#10;&#10;Description automatically generated">
-            <a:extLst>
-              <a:ext uri="{FF2B5EF4-FFF2-40B4-BE49-F238E27FC236}">
-                <a16:creationId xmlns:a16="http://schemas.microsoft.com/office/drawing/2014/main" id="{B3681C14-A872-4880-8CC9-0067A8D98878}"/>
               </a:ext>
             </a:extLst>
           </p:cNvPr>
@@ -5862,8 +7099,8 @@
         </p:blipFill>
         <p:spPr>
           <a:xfrm>
-            <a:off x="4011854" y="2830896"/>
-            <a:ext cx="700873" cy="495539"/>
+            <a:off x="8100488" y="2096012"/>
+            <a:ext cx="1143811" cy="255451"/>
           </a:xfrm>
           <a:prstGeom prst="rect">
             <a:avLst/>
@@ -5872,10 +7109,10 @@
       </p:pic>
       <p:pic>
         <p:nvPicPr>
-          <p:cNvPr id="25" name="Picture 24" descr="Logo&#10;&#10;Description automatically generated">
+          <p:cNvPr id="21" name="Picture 20" descr="Icon&#10;&#10;Description automatically generated">
             <a:extLst>
               <a:ext uri="{FF2B5EF4-FFF2-40B4-BE49-F238E27FC236}">
-                <a16:creationId xmlns:a16="http://schemas.microsoft.com/office/drawing/2014/main" id="{4BA14615-0E4B-4926-8262-993DE40C3276}"/>
+                <a16:creationId xmlns:a16="http://schemas.microsoft.com/office/drawing/2014/main" id="{B3681C14-A872-4880-8CC9-0067A8D98878}"/>
               </a:ext>
             </a:extLst>
           </p:cNvPr>
@@ -5898,8 +7135,8 @@
         </p:blipFill>
         <p:spPr>
           <a:xfrm>
-            <a:off x="3831694" y="3764202"/>
-            <a:ext cx="1779365" cy="403828"/>
+            <a:off x="4011854" y="2830896"/>
+            <a:ext cx="700873" cy="495539"/>
           </a:xfrm>
           <a:prstGeom prst="rect">
             <a:avLst/>
@@ -5908,10 +7145,10 @@
       </p:pic>
       <p:pic>
         <p:nvPicPr>
-          <p:cNvPr id="29" name="Picture 28" descr="Icon&#10;&#10;Description automatically generated">
+          <p:cNvPr id="25" name="Picture 24" descr="Logo&#10;&#10;Description automatically generated">
             <a:extLst>
               <a:ext uri="{FF2B5EF4-FFF2-40B4-BE49-F238E27FC236}">
-                <a16:creationId xmlns:a16="http://schemas.microsoft.com/office/drawing/2014/main" id="{CACAFC26-B13E-42D9-96EE-16402334B1F0}"/>
+                <a16:creationId xmlns:a16="http://schemas.microsoft.com/office/drawing/2014/main" id="{4BA14615-0E4B-4926-8262-993DE40C3276}"/>
               </a:ext>
             </a:extLst>
           </p:cNvPr>
@@ -5934,6 +7171,42 @@
         </p:blipFill>
         <p:spPr>
           <a:xfrm>
+            <a:off x="3831694" y="3764202"/>
+            <a:ext cx="1779365" cy="403828"/>
+          </a:xfrm>
+          <a:prstGeom prst="rect">
+            <a:avLst/>
+          </a:prstGeom>
+        </p:spPr>
+      </p:pic>
+      <p:pic>
+        <p:nvPicPr>
+          <p:cNvPr id="29" name="Picture 28" descr="Icon&#10;&#10;Description automatically generated">
+            <a:extLst>
+              <a:ext uri="{FF2B5EF4-FFF2-40B4-BE49-F238E27FC236}">
+                <a16:creationId xmlns:a16="http://schemas.microsoft.com/office/drawing/2014/main" id="{CACAFC26-B13E-42D9-96EE-16402334B1F0}"/>
+              </a:ext>
+            </a:extLst>
+          </p:cNvPr>
+          <p:cNvPicPr>
+            <a:picLocks noChangeAspect="1"/>
+          </p:cNvPicPr>
+          <p:nvPr/>
+        </p:nvPicPr>
+        <p:blipFill>
+          <a:blip r:embed="rId10" cstate="print">
+            <a:extLst>
+              <a:ext uri="{28A0092B-C50C-407E-A947-70E740481C1C}">
+                <a14:useLocalDpi xmlns:a14="http://schemas.microsoft.com/office/drawing/2010/main" val="0"/>
+              </a:ext>
+            </a:extLst>
+          </a:blip>
+          <a:stretch>
+            <a:fillRect/>
+          </a:stretch>
+        </p:blipFill>
+        <p:spPr>
+          <a:xfrm>
             <a:off x="4814916" y="2880665"/>
             <a:ext cx="396000" cy="396000"/>
           </a:xfrm>
@@ -5957,7 +7230,7 @@
           <p:nvPr/>
         </p:nvPicPr>
         <p:blipFill rotWithShape="1">
-          <a:blip r:embed="rId3" cstate="print">
+          <a:blip r:embed="rId11" cstate="print">
             <a:extLst>
               <a:ext uri="{28A0092B-C50C-407E-A947-70E740481C1C}">
                 <a14:useLocalDpi xmlns:a14="http://schemas.microsoft.com/office/drawing/2010/main" val="0"/>
@@ -6062,7 +7335,7 @@
           <p:nvPr/>
         </p:nvPicPr>
         <p:blipFill>
-          <a:blip r:embed="rId2"/>
+          <a:blip r:embed="rId3"/>
           <a:stretch>
             <a:fillRect/>
           </a:stretch>
@@ -6136,7 +7409,7 @@
           <p:nvPr/>
         </p:nvPicPr>
         <p:blipFill>
-          <a:blip r:embed="rId3"/>
+          <a:blip r:embed="rId4"/>
           <a:stretch>
             <a:fillRect/>
           </a:stretch>
@@ -6196,7 +7469,7 @@
           <p:nvPr/>
         </p:nvPicPr>
         <p:blipFill>
-          <a:blip r:embed="rId2"/>
+          <a:blip r:embed="rId3"/>
           <a:stretch>
             <a:fillRect/>
           </a:stretch>
@@ -6270,7 +7543,7 @@
           <p:nvPr/>
         </p:nvPicPr>
         <p:blipFill rotWithShape="1">
-          <a:blip r:embed="rId3">
+          <a:blip r:embed="rId4">
             <a:extLst>
               <a:ext uri="{28A0092B-C50C-407E-A947-70E740481C1C}">
                 <a14:useLocalDpi xmlns:a14="http://schemas.microsoft.com/office/drawing/2010/main" val="0"/>
@@ -6350,7 +7623,7 @@
           <p:nvPr/>
         </p:nvPicPr>
         <p:blipFill>
-          <a:blip r:embed="rId4" cstate="print">
+          <a:blip r:embed="rId5" cstate="print">
             <a:extLst>
               <a:ext uri="{28A0092B-C50C-407E-A947-70E740481C1C}">
                 <a14:useLocalDpi xmlns:a14="http://schemas.microsoft.com/office/drawing/2010/main" val="0"/>
@@ -7062,4 +8335,299 @@
     </a:ext>
   </a:extLst>
 </a:theme>
+</file>
+
+<file path=ppt/theme/theme2.xml><?xml version="1.0" encoding="utf-8"?>
+<a:theme xmlns:a="http://schemas.openxmlformats.org/drawingml/2006/main" name="Office Theme">
+  <a:themeElements>
+    <a:clrScheme name="Office">
+      <a:dk1>
+        <a:sysClr val="windowText" lastClr="000000"/>
+      </a:dk1>
+      <a:lt1>
+        <a:sysClr val="window" lastClr="FFFFFF"/>
+      </a:lt1>
+      <a:dk2>
+        <a:srgbClr val="44546A"/>
+      </a:dk2>
+      <a:lt2>
+        <a:srgbClr val="E7E6E6"/>
+      </a:lt2>
+      <a:accent1>
+        <a:srgbClr val="4472C4"/>
+      </a:accent1>
+      <a:accent2>
+        <a:srgbClr val="ED7D31"/>
+      </a:accent2>
+      <a:accent3>
+        <a:srgbClr val="A5A5A5"/>
+      </a:accent3>
+      <a:accent4>
+        <a:srgbClr val="FFC000"/>
+      </a:accent4>
+      <a:accent5>
+        <a:srgbClr val="5B9BD5"/>
+      </a:accent5>
+      <a:accent6>
+        <a:srgbClr val="70AD47"/>
+      </a:accent6>
+      <a:hlink>
+        <a:srgbClr val="0563C1"/>
+      </a:hlink>
+      <a:folHlink>
+        <a:srgbClr val="954F72"/>
+      </a:folHlink>
+    </a:clrScheme>
+    <a:fontScheme name="Office">
+      <a:majorFont>
+        <a:latin typeface="Calibri Light" panose="020F0302020204030204"/>
+        <a:ea typeface=""/>
+        <a:cs typeface=""/>
+        <a:font script="Jpan" typeface="游ゴシック Light"/>
+        <a:font script="Hang" typeface="맑은 고딕"/>
+        <a:font script="Hans" typeface="等线 Light"/>
+        <a:font script="Hant" typeface="新細明體"/>
+        <a:font script="Arab" typeface="Times New Roman"/>
+        <a:font script="Hebr" typeface="Times New Roman"/>
+        <a:font script="Thai" typeface="Angsana New"/>
+        <a:font script="Ethi" typeface="Nyala"/>
+        <a:font script="Beng" typeface="Vrinda"/>
+        <a:font script="Gujr" typeface="Shruti"/>
+        <a:font script="Khmr" typeface="MoolBoran"/>
+        <a:font script="Knda" typeface="Tunga"/>
+        <a:font script="Guru" typeface="Raavi"/>
+        <a:font script="Cans" typeface="Euphemia"/>
+        <a:font script="Cher" typeface="Plantagenet Cherokee"/>
+        <a:font script="Yiii" typeface="Microsoft Yi Baiti"/>
+        <a:font script="Tibt" typeface="Microsoft Himalaya"/>
+        <a:font script="Thaa" typeface="MV Boli"/>
+        <a:font script="Deva" typeface="Mangal"/>
+        <a:font script="Telu" typeface="Gautami"/>
+        <a:font script="Taml" typeface="Latha"/>
+        <a:font script="Syrc" typeface="Estrangelo Edessa"/>
+        <a:font script="Orya" typeface="Kalinga"/>
+        <a:font script="Mlym" typeface="Kartika"/>
+        <a:font script="Laoo" typeface="DokChampa"/>
+        <a:font script="Sinh" typeface="Iskoola Pota"/>
+        <a:font script="Mong" typeface="Mongolian Baiti"/>
+        <a:font script="Viet" typeface="Times New Roman"/>
+        <a:font script="Uigh" typeface="Microsoft Uighur"/>
+        <a:font script="Geor" typeface="Sylfaen"/>
+        <a:font script="Armn" typeface="Arial"/>
+        <a:font script="Bugi" typeface="Leelawadee UI"/>
+        <a:font script="Bopo" typeface="Microsoft JhengHei"/>
+        <a:font script="Java" typeface="Javanese Text"/>
+        <a:font script="Lisu" typeface="Segoe UI"/>
+        <a:font script="Mymr" typeface="Myanmar Text"/>
+        <a:font script="Nkoo" typeface="Ebrima"/>
+        <a:font script="Olck" typeface="Nirmala UI"/>
+        <a:font script="Osma" typeface="Ebrima"/>
+        <a:font script="Phag" typeface="Phagspa"/>
+        <a:font script="Syrn" typeface="Estrangelo Edessa"/>
+        <a:font script="Syrj" typeface="Estrangelo Edessa"/>
+        <a:font script="Syre" typeface="Estrangelo Edessa"/>
+        <a:font script="Sora" typeface="Nirmala UI"/>
+        <a:font script="Tale" typeface="Microsoft Tai Le"/>
+        <a:font script="Talu" typeface="Microsoft New Tai Lue"/>
+        <a:font script="Tfng" typeface="Ebrima"/>
+      </a:majorFont>
+      <a:minorFont>
+        <a:latin typeface="Calibri" panose="020F0502020204030204"/>
+        <a:ea typeface=""/>
+        <a:cs typeface=""/>
+        <a:font script="Jpan" typeface="游ゴシック"/>
+        <a:font script="Hang" typeface="맑은 고딕"/>
+        <a:font script="Hans" typeface="等线"/>
+        <a:font script="Hant" typeface="新細明體"/>
+        <a:font script="Arab" typeface="Arial"/>
+        <a:font script="Hebr" typeface="Arial"/>
+        <a:font script="Thai" typeface="Cordia New"/>
+        <a:font script="Ethi" typeface="Nyala"/>
+        <a:font script="Beng" typeface="Vrinda"/>
+        <a:font script="Gujr" typeface="Shruti"/>
+        <a:font script="Khmr" typeface="DaunPenh"/>
+        <a:font script="Knda" typeface="Tunga"/>
+        <a:font script="Guru" typeface="Raavi"/>
+        <a:font script="Cans" typeface="Euphemia"/>
+        <a:font script="Cher" typeface="Plantagenet Cherokee"/>
+        <a:font script="Yiii" typeface="Microsoft Yi Baiti"/>
+        <a:font script="Tibt" typeface="Microsoft Himalaya"/>
+        <a:font script="Thaa" typeface="MV Boli"/>
+        <a:font script="Deva" typeface="Mangal"/>
+        <a:font script="Telu" typeface="Gautami"/>
+        <a:font script="Taml" typeface="Latha"/>
+        <a:font script="Syrc" typeface="Estrangelo Edessa"/>
+        <a:font script="Orya" typeface="Kalinga"/>
+        <a:font script="Mlym" typeface="Kartika"/>
+        <a:font script="Laoo" typeface="DokChampa"/>
+        <a:font script="Sinh" typeface="Iskoola Pota"/>
+        <a:font script="Mong" typeface="Mongolian Baiti"/>
+        <a:font script="Viet" typeface="Arial"/>
+        <a:font script="Uigh" typeface="Microsoft Uighur"/>
+        <a:font script="Geor" typeface="Sylfaen"/>
+        <a:font script="Armn" typeface="Arial"/>
+        <a:font script="Bugi" typeface="Leelawadee UI"/>
+        <a:font script="Bopo" typeface="Microsoft JhengHei"/>
+        <a:font script="Java" typeface="Javanese Text"/>
+        <a:font script="Lisu" typeface="Segoe UI"/>
+        <a:font script="Mymr" typeface="Myanmar Text"/>
+        <a:font script="Nkoo" typeface="Ebrima"/>
+        <a:font script="Olck" typeface="Nirmala UI"/>
+        <a:font script="Osma" typeface="Ebrima"/>
+        <a:font script="Phag" typeface="Phagspa"/>
+        <a:font script="Syrn" typeface="Estrangelo Edessa"/>
+        <a:font script="Syrj" typeface="Estrangelo Edessa"/>
+        <a:font script="Syre" typeface="Estrangelo Edessa"/>
+        <a:font script="Sora" typeface="Nirmala UI"/>
+        <a:font script="Tale" typeface="Microsoft Tai Le"/>
+        <a:font script="Talu" typeface="Microsoft New Tai Lue"/>
+        <a:font script="Tfng" typeface="Ebrima"/>
+      </a:minorFont>
+    </a:fontScheme>
+    <a:fmtScheme name="Office">
+      <a:fillStyleLst>
+        <a:solidFill>
+          <a:schemeClr val="phClr"/>
+        </a:solidFill>
+        <a:gradFill rotWithShape="1">
+          <a:gsLst>
+            <a:gs pos="0">
+              <a:schemeClr val="phClr">
+                <a:lumMod val="110000"/>
+                <a:satMod val="105000"/>
+                <a:tint val="67000"/>
+              </a:schemeClr>
+            </a:gs>
+            <a:gs pos="50000">
+              <a:schemeClr val="phClr">
+                <a:lumMod val="105000"/>
+                <a:satMod val="103000"/>
+                <a:tint val="73000"/>
+              </a:schemeClr>
+            </a:gs>
+            <a:gs pos="100000">
+              <a:schemeClr val="phClr">
+                <a:lumMod val="105000"/>
+                <a:satMod val="109000"/>
+                <a:tint val="81000"/>
+              </a:schemeClr>
+            </a:gs>
+          </a:gsLst>
+          <a:lin ang="5400000" scaled="0"/>
+        </a:gradFill>
+        <a:gradFill rotWithShape="1">
+          <a:gsLst>
+            <a:gs pos="0">
+              <a:schemeClr val="phClr">
+                <a:satMod val="103000"/>
+                <a:lumMod val="102000"/>
+                <a:tint val="94000"/>
+              </a:schemeClr>
+            </a:gs>
+            <a:gs pos="50000">
+              <a:schemeClr val="phClr">
+                <a:satMod val="110000"/>
+                <a:lumMod val="100000"/>
+                <a:shade val="100000"/>
+              </a:schemeClr>
+            </a:gs>
+            <a:gs pos="100000">
+              <a:schemeClr val="phClr">
+                <a:lumMod val="99000"/>
+                <a:satMod val="120000"/>
+                <a:shade val="78000"/>
+              </a:schemeClr>
+            </a:gs>
+          </a:gsLst>
+          <a:lin ang="5400000" scaled="0"/>
+        </a:gradFill>
+      </a:fillStyleLst>
+      <a:lnStyleLst>
+        <a:ln w="6350" cap="flat" cmpd="sng" algn="ctr">
+          <a:solidFill>
+            <a:schemeClr val="phClr"/>
+          </a:solidFill>
+          <a:prstDash val="solid"/>
+          <a:miter lim="800000"/>
+        </a:ln>
+        <a:ln w="12700" cap="flat" cmpd="sng" algn="ctr">
+          <a:solidFill>
+            <a:schemeClr val="phClr"/>
+          </a:solidFill>
+          <a:prstDash val="solid"/>
+          <a:miter lim="800000"/>
+        </a:ln>
+        <a:ln w="19050" cap="flat" cmpd="sng" algn="ctr">
+          <a:solidFill>
+            <a:schemeClr val="phClr"/>
+          </a:solidFill>
+          <a:prstDash val="solid"/>
+          <a:miter lim="800000"/>
+        </a:ln>
+      </a:lnStyleLst>
+      <a:effectStyleLst>
+        <a:effectStyle>
+          <a:effectLst/>
+        </a:effectStyle>
+        <a:effectStyle>
+          <a:effectLst/>
+        </a:effectStyle>
+        <a:effectStyle>
+          <a:effectLst>
+            <a:outerShdw blurRad="57150" dist="19050" dir="5400000" algn="ctr" rotWithShape="0">
+              <a:srgbClr val="000000">
+                <a:alpha val="63000"/>
+              </a:srgbClr>
+            </a:outerShdw>
+          </a:effectLst>
+        </a:effectStyle>
+      </a:effectStyleLst>
+      <a:bgFillStyleLst>
+        <a:solidFill>
+          <a:schemeClr val="phClr"/>
+        </a:solidFill>
+        <a:solidFill>
+          <a:schemeClr val="phClr">
+            <a:tint val="95000"/>
+            <a:satMod val="170000"/>
+          </a:schemeClr>
+        </a:solidFill>
+        <a:gradFill rotWithShape="1">
+          <a:gsLst>
+            <a:gs pos="0">
+              <a:schemeClr val="phClr">
+                <a:tint val="93000"/>
+                <a:satMod val="150000"/>
+                <a:shade val="98000"/>
+                <a:lumMod val="102000"/>
+              </a:schemeClr>
+            </a:gs>
+            <a:gs pos="50000">
+              <a:schemeClr val="phClr">
+                <a:tint val="98000"/>
+                <a:satMod val="130000"/>
+                <a:shade val="90000"/>
+                <a:lumMod val="103000"/>
+              </a:schemeClr>
+            </a:gs>
+            <a:gs pos="100000">
+              <a:schemeClr val="phClr">
+                <a:shade val="63000"/>
+                <a:satMod val="120000"/>
+              </a:schemeClr>
+            </a:gs>
+          </a:gsLst>
+          <a:lin ang="5400000" scaled="0"/>
+        </a:gradFill>
+      </a:bgFillStyleLst>
+    </a:fmtScheme>
+  </a:themeElements>
+  <a:objectDefaults/>
+  <a:extraClrSchemeLst/>
+  <a:extLst>
+    <a:ext uri="{05A4C25C-085E-4340-85A3-A5531E510DB2}">
+      <thm15:themeFamily xmlns:thm15="http://schemas.microsoft.com/office/thememl/2012/main" name="Office Theme" id="{62F939B6-93AF-4DB8-9C6B-D6C7DFDC589F}" vid="{4A3C46E8-61CC-4603-A589-7422A47A8E4A}"/>
+    </a:ext>
+  </a:extLst>
+</a:theme>
 </file>